--- a/1.Spring概述/01._IoC&DI和Spring框架概述.pptx
+++ b/1.Spring概述/01._IoC&DI和Spring框架概述.pptx
@@ -5,7 +5,7 @@
     <p:sldMasterId id="2147483648" r:id="rId1"/>
   </p:sldMasterIdLst>
   <p:notesMasterIdLst>
-    <p:notesMasterId r:id="rId27"/>
+    <p:notesMasterId r:id="rId28"/>
   </p:notesMasterIdLst>
   <p:sldIdLst>
     <p:sldId id="379" r:id="rId2"/>
@@ -30,9 +30,10 @@
     <p:sldId id="407" r:id="rId21"/>
     <p:sldId id="408" r:id="rId22"/>
     <p:sldId id="409" r:id="rId23"/>
-    <p:sldId id="410" r:id="rId24"/>
-    <p:sldId id="411" r:id="rId25"/>
-    <p:sldId id="392" r:id="rId26"/>
+    <p:sldId id="412" r:id="rId24"/>
+    <p:sldId id="410" r:id="rId25"/>
+    <p:sldId id="411" r:id="rId26"/>
+    <p:sldId id="392" r:id="rId27"/>
   </p:sldIdLst>
   <p:sldSz cx="12192000" cy="6858000"/>
   <p:notesSz cx="6858000" cy="9144000"/>
@@ -1958,7 +1959,7 @@
                 <a:ea typeface="+mn-ea"/>
                 <a:cs typeface="+mn-cs"/>
               </a:rPr>
-              <a:t>2017/3/28</a:t>
+              <a:t>2017/4/5</a:t>
             </a:fld>
             <a:endParaRPr kumimoji="0" lang="zh-CN" altLang="en-US" sz="1800" b="0" i="0" u="none" strike="noStrike" kern="1200" cap="none" spc="0" normalizeH="0" baseline="0" noProof="0">
               <a:ln>
@@ -8358,11 +8359,7 @@
             </a:r>
             <a:r>
               <a:rPr lang="zh-CN" altLang="en-US" dirty="0" smtClean="0"/>
-              <a:t>，控制反转）</a:t>
-            </a:r>
-            <a:r>
-              <a:rPr lang="zh-CN" altLang="en-US" dirty="0" smtClean="0"/>
-              <a:t>：</a:t>
+              <a:t>，控制反转）：</a:t>
             </a:r>
             <a:endParaRPr lang="en-US" altLang="zh-CN" dirty="0" smtClean="0"/>
           </a:p>
@@ -9683,7 +9680,7 @@
         <p:nvPicPr>
           <p:cNvPr id="10" name="Picture 5"/>
           <p:cNvPicPr>
-            <a:picLocks noChangeAspect="1" noChangeArrowheads="1"/>
+            <a:picLocks noGrp="1" noChangeAspect="1" noChangeArrowheads="1"/>
           </p:cNvPicPr>
           <p:nvPr>
             <p:ph idx="4294967295"/>
@@ -11275,13 +11272,7 @@
               <a:rPr lang="zh-CN" altLang="zh-CN" dirty="0">
                 <a:latin typeface="Bookman Old Style" panose="02050604050505020204" pitchFamily="18" charset="0"/>
               </a:rPr>
-              <a:t>丰富</a:t>
-            </a:r>
-            <a:r>
-              <a:rPr lang="zh-CN" altLang="zh-CN" dirty="0">
-                <a:latin typeface="Bookman Old Style" panose="02050604050505020204" pitchFamily="18" charset="0"/>
-              </a:rPr>
-              <a:t>的c/c++背景，丰富的金融行业</a:t>
+              <a:t>丰富的c/c++背景，丰富的金融行业</a:t>
             </a:r>
             <a:r>
               <a:rPr lang="zh-CN" altLang="zh-CN" dirty="0" smtClean="0">
@@ -11299,13 +11290,7 @@
               <a:rPr lang="zh-CN" altLang="zh-CN" dirty="0">
                 <a:latin typeface="Bookman Old Style" panose="02050604050505020204" pitchFamily="18" charset="0"/>
               </a:rPr>
-              <a:t>1996年</a:t>
-            </a:r>
-            <a:r>
-              <a:rPr lang="zh-CN" altLang="zh-CN" dirty="0">
-                <a:latin typeface="Bookman Old Style" panose="02050604050505020204" pitchFamily="18" charset="0"/>
-              </a:rPr>
-              <a:t>开始关注Java服务器端技术</a:t>
+              <a:t>1996年开始关注Java服务器端技术</a:t>
             </a:r>
           </a:p>
           <a:p>
@@ -11379,17 +11364,8 @@
               <a:rPr lang="zh-CN" altLang="zh-CN" sz="2400" dirty="0">
                 <a:latin typeface="Bookman Old Style" panose="02050604050505020204" pitchFamily="18" charset="0"/>
               </a:rPr>
-              <a:t>，改变了Java</a:t>
-            </a:r>
-            <a:r>
-              <a:rPr lang="zh-CN" altLang="zh-CN" sz="2400" dirty="0">
-                <a:latin typeface="Bookman Old Style" panose="02050604050505020204" pitchFamily="18" charset="0"/>
-              </a:rPr>
-              <a:t>世界</a:t>
-            </a:r>
-            <a:endParaRPr lang="zh-CN" altLang="zh-CN" sz="2400" dirty="0">
-              <a:latin typeface="Bookman Old Style" panose="02050604050505020204" pitchFamily="18" charset="0"/>
-            </a:endParaRPr>
+              <a:t>，改变了Java世界</a:t>
+            </a:r>
           </a:p>
           <a:p>
             <a:pPr lvl="1"/>
@@ -14548,12 +14524,38 @@
           </a:p>
           <a:p>
             <a:r>
+              <a:rPr lang="en-US" altLang="zh-CN" dirty="0" smtClean="0"/>
+              <a:t>Beans</a:t>
+            </a:r>
+            <a:r>
               <a:rPr lang="zh-CN" altLang="en-US" dirty="0" smtClean="0"/>
-              <a:t>组件均由</a:t>
+              <a:t>均由</a:t>
             </a:r>
             <a:r>
               <a:rPr lang="en-US" altLang="zh-CN" dirty="0" smtClean="0"/>
-              <a:t>Spring</a:t>
+              <a:t>Spring </a:t>
+            </a:r>
+            <a:r>
+              <a:rPr lang="en-US" altLang="zh-CN" dirty="0" err="1" smtClean="0"/>
+              <a:t>IoC</a:t>
+            </a:r>
+            <a:r>
+              <a:rPr lang="zh-CN" altLang="en-US" dirty="0" smtClean="0"/>
+              <a:t>容器</a:t>
+            </a:r>
+            <a:endParaRPr lang="en-US" altLang="zh-CN" dirty="0" smtClean="0"/>
+          </a:p>
+          <a:p>
+            <a:pPr marL="0" indent="0">
+              <a:buNone/>
+            </a:pPr>
+            <a:r>
+              <a:rPr lang="en-US" altLang="zh-CN" dirty="0"/>
+              <a:t> </a:t>
+            </a:r>
+            <a:r>
+              <a:rPr lang="en-US" altLang="zh-CN" dirty="0" smtClean="0"/>
+              <a:t> </a:t>
             </a:r>
             <a:r>
               <a:rPr lang="zh-CN" altLang="en-US" dirty="0" smtClean="0"/>
@@ -14924,6 +14926,433 @@
               <a:rPr lang="en-US" altLang="zh-CN" dirty="0" smtClean="0">
                 <a:latin typeface="+mn-ea"/>
               </a:rPr>
+              <a:t>Spring</a:t>
+            </a:r>
+            <a:r>
+              <a:rPr lang="zh-CN" altLang="en-US" dirty="0" smtClean="0">
+                <a:latin typeface="+mn-ea"/>
+              </a:rPr>
+              <a:t>示例编码步骤</a:t>
+            </a:r>
+            <a:r>
+              <a:rPr lang="zh-CN" altLang="en-US" dirty="0" smtClean="0">
+                <a:latin typeface="+mn-ea"/>
+              </a:rPr>
+              <a:t>：</a:t>
+            </a:r>
+            <a:endParaRPr lang="en-US" altLang="zh-CN" dirty="0" smtClean="0">
+              <a:latin typeface="+mn-ea"/>
+            </a:endParaRPr>
+          </a:p>
+          <a:p>
+            <a:pPr lvl="1"/>
+            <a:r>
+              <a:rPr lang="zh-CN" altLang="en-US" dirty="0">
+                <a:latin typeface="+mn-ea"/>
+              </a:rPr>
+              <a:t>导</a:t>
+            </a:r>
+            <a:r>
+              <a:rPr lang="zh-CN" altLang="en-US" dirty="0" smtClean="0">
+                <a:latin typeface="+mn-ea"/>
+              </a:rPr>
+              <a:t>入</a:t>
+            </a:r>
+            <a:r>
+              <a:rPr lang="en-US" altLang="zh-CN" dirty="0" smtClean="0">
+                <a:latin typeface="+mn-ea"/>
+              </a:rPr>
+              <a:t>Spring</a:t>
+            </a:r>
+            <a:r>
+              <a:rPr lang="zh-CN" altLang="en-US" dirty="0" smtClean="0">
+                <a:latin typeface="+mn-ea"/>
+              </a:rPr>
+              <a:t>相关</a:t>
+            </a:r>
+            <a:r>
+              <a:rPr lang="en-US" altLang="zh-CN" dirty="0" smtClean="0">
+                <a:latin typeface="+mn-ea"/>
+              </a:rPr>
+              <a:t>Jar</a:t>
+            </a:r>
+            <a:r>
+              <a:rPr lang="zh-CN" altLang="en-US" dirty="0" smtClean="0">
+                <a:latin typeface="+mn-ea"/>
+              </a:rPr>
+              <a:t>文件</a:t>
+            </a:r>
+            <a:endParaRPr lang="en-US" altLang="zh-CN" dirty="0" smtClean="0">
+              <a:latin typeface="+mn-ea"/>
+            </a:endParaRPr>
+          </a:p>
+          <a:p>
+            <a:pPr lvl="1"/>
+            <a:r>
+              <a:rPr lang="zh-CN" altLang="en-US" dirty="0" smtClean="0">
+                <a:latin typeface="+mn-ea"/>
+              </a:rPr>
+              <a:t>配置元数据</a:t>
+            </a:r>
+            <a:endParaRPr lang="en-US" altLang="zh-CN" dirty="0" smtClean="0">
+              <a:latin typeface="+mn-ea"/>
+            </a:endParaRPr>
+          </a:p>
+          <a:p>
+            <a:pPr lvl="1"/>
+            <a:r>
+              <a:rPr lang="zh-CN" altLang="en-US" dirty="0" smtClean="0">
+                <a:latin typeface="+mn-ea"/>
+              </a:rPr>
+              <a:t>编码实现</a:t>
+            </a:r>
+            <a:r>
+              <a:rPr lang="zh-CN" altLang="en-US" dirty="0" smtClean="0">
+                <a:latin typeface="+mn-ea"/>
+              </a:rPr>
+              <a:t>功能，组件间用</a:t>
+            </a:r>
+            <a:endParaRPr lang="en-US" altLang="zh-CN" dirty="0" smtClean="0">
+              <a:latin typeface="+mn-ea"/>
+            </a:endParaRPr>
+          </a:p>
+          <a:p>
+            <a:pPr lvl="1"/>
+            <a:endParaRPr lang="en-US" altLang="zh-CN" dirty="0" smtClean="0">
+              <a:latin typeface="+mn-ea"/>
+            </a:endParaRPr>
+          </a:p>
+        </p:txBody>
+      </p:sp>
+    </p:spTree>
+    <p:extLst>
+      <p:ext uri="{BB962C8B-B14F-4D97-AF65-F5344CB8AC3E}">
+        <p14:creationId xmlns:p14="http://schemas.microsoft.com/office/powerpoint/2010/main" val="136997855"/>
+      </p:ext>
+    </p:extLst>
+  </p:cSld>
+  <p:clrMapOvr>
+    <a:masterClrMapping/>
+  </p:clrMapOvr>
+  <p:timing>
+    <p:tnLst>
+      <p:par>
+        <p:cTn id="1" dur="indefinite" restart="never" nodeType="tmRoot"/>
+      </p:par>
+    </p:tnLst>
+  </p:timing>
+</p:sld>
+</file>
+
+<file path=ppt/slides/slide24.xml><?xml version="1.0" encoding="utf-8"?>
+<p:sld xmlns:a="http://schemas.openxmlformats.org/drawingml/2006/main" xmlns:r="http://schemas.openxmlformats.org/officeDocument/2006/relationships" xmlns:p="http://schemas.openxmlformats.org/presentationml/2006/main">
+  <p:cSld>
+    <p:spTree>
+      <p:nvGrpSpPr>
+        <p:cNvPr id="1" name=""/>
+        <p:cNvGrpSpPr/>
+        <p:nvPr/>
+      </p:nvGrpSpPr>
+      <p:grpSpPr>
+        <a:xfrm>
+          <a:off x="0" y="0"/>
+          <a:ext cx="0" cy="0"/>
+          <a:chOff x="0" y="0"/>
+          <a:chExt cx="0" cy="0"/>
+        </a:xfrm>
+      </p:grpSpPr>
+      <p:grpSp>
+        <p:nvGrpSpPr>
+          <p:cNvPr id="19464" name="组合 30"/>
+          <p:cNvGrpSpPr/>
+          <p:nvPr/>
+        </p:nvGrpSpPr>
+        <p:grpSpPr>
+          <a:xfrm>
+            <a:off x="-201612" y="58738"/>
+            <a:ext cx="4395787" cy="698148"/>
+            <a:chOff x="3572099" y="2059582"/>
+            <a:chExt cx="4395960" cy="699484"/>
+          </a:xfrm>
+        </p:grpSpPr>
+        <p:sp>
+          <p:nvSpPr>
+            <p:cNvPr id="32" name="Rounded Rectangle 31@|1FFC:16777215|FBC:16777215|LFC:243595|LBC:16777215"/>
+            <p:cNvSpPr/>
+            <p:nvPr/>
+          </p:nvSpPr>
+          <p:spPr>
+            <a:xfrm>
+              <a:off x="4108062" y="2195768"/>
+              <a:ext cx="3859997" cy="526557"/>
+            </a:xfrm>
+            <a:prstGeom prst="roundRect">
+              <a:avLst>
+                <a:gd name="adj" fmla="val 50000"/>
+              </a:avLst>
+            </a:prstGeom>
+            <a:solidFill>
+              <a:srgbClr val="FFFFFF"/>
+            </a:solidFill>
+            <a:ln w="28575">
+              <a:solidFill>
+                <a:srgbClr val="8BB703"/>
+              </a:solidFill>
+            </a:ln>
+          </p:spPr>
+          <p:style>
+            <a:lnRef idx="2">
+              <a:schemeClr val="accent1">
+                <a:shade val="50000"/>
+              </a:schemeClr>
+            </a:lnRef>
+            <a:fillRef idx="1">
+              <a:schemeClr val="accent1"/>
+            </a:fillRef>
+            <a:effectRef idx="0">
+              <a:schemeClr val="accent1"/>
+            </a:effectRef>
+            <a:fontRef idx="minor">
+              <a:schemeClr val="lt1"/>
+            </a:fontRef>
+          </p:style>
+          <p:txBody>
+            <a:bodyPr rtlCol="0" anchor="ctr"/>
+            <a:lstStyle/>
+            <a:p>
+              <a:pPr marL="0" marR="0" lvl="0" indent="0" algn="ctr" defTabSz="914400" rtl="0" eaLnBrk="1" fontAlgn="auto" latinLnBrk="0" hangingPunct="1">
+                <a:lnSpc>
+                  <a:spcPct val="100000"/>
+                </a:lnSpc>
+                <a:spcBef>
+                  <a:spcPts val="0"/>
+                </a:spcBef>
+                <a:spcAft>
+                  <a:spcPts val="0"/>
+                </a:spcAft>
+                <a:buClrTx/>
+                <a:buSzTx/>
+                <a:buFontTx/>
+                <a:buNone/>
+                <a:defRPr/>
+              </a:pPr>
+              <a:endParaRPr kumimoji="0" lang="zh-CN" altLang="en-US" sz="1600" b="0" i="0" u="none" strike="noStrike" kern="1200" cap="none" spc="0" normalizeH="0" baseline="0" noProof="0">
+                <a:ln>
+                  <a:noFill/>
+                </a:ln>
+                <a:solidFill>
+                  <a:srgbClr val="3F7B33"/>
+                </a:solidFill>
+                <a:effectLst/>
+                <a:uLnTx/>
+                <a:uFillTx/>
+                <a:latin typeface="等线" panose="02010600030101010101" pitchFamily="2" charset="-122"/>
+                <a:ea typeface="等线" panose="02010600030101010101" pitchFamily="2" charset="-122"/>
+                <a:cs typeface="+mn-cs"/>
+              </a:endParaRPr>
+            </a:p>
+          </p:txBody>
+        </p:sp>
+        <p:sp>
+          <p:nvSpPr>
+            <p:cNvPr id="19466" name="TextBox 32@|17FFC:16777215|FBC:16777215|LFC:16777215|LBC:16777215"/>
+            <p:cNvSpPr txBox="1"/>
+            <p:nvPr/>
+          </p:nvSpPr>
+          <p:spPr>
+            <a:xfrm>
+              <a:off x="4669798" y="2231967"/>
+              <a:ext cx="1800564" cy="462548"/>
+            </a:xfrm>
+            <a:prstGeom prst="rect">
+              <a:avLst/>
+            </a:prstGeom>
+            <a:noFill/>
+            <a:ln w="9525">
+              <a:noFill/>
+            </a:ln>
+          </p:spPr>
+          <p:txBody>
+            <a:bodyPr wrap="none">
+              <a:spAutoFit/>
+            </a:bodyPr>
+            <a:lstStyle/>
+            <a:p>
+              <a:pPr lvl="0" eaLnBrk="1" hangingPunct="1"/>
+              <a:r>
+                <a:rPr lang="en-US" altLang="zh-CN" sz="2400" dirty="0" smtClean="0">
+                  <a:solidFill>
+                    <a:srgbClr val="3C7832"/>
+                  </a:solidFill>
+                  <a:latin typeface="微软雅黑" panose="020B0503020204020204" pitchFamily="34" charset="-122"/>
+                  <a:ea typeface="微软雅黑" panose="020B0503020204020204" pitchFamily="34" charset="-122"/>
+                </a:rPr>
+                <a:t>Spring</a:t>
+              </a:r>
+              <a:r>
+                <a:rPr lang="zh-CN" altLang="en-US" sz="2400" dirty="0" smtClean="0">
+                  <a:solidFill>
+                    <a:srgbClr val="3C7832"/>
+                  </a:solidFill>
+                  <a:latin typeface="微软雅黑" panose="020B0503020204020204" pitchFamily="34" charset="-122"/>
+                  <a:ea typeface="微软雅黑" panose="020B0503020204020204" pitchFamily="34" charset="-122"/>
+                </a:rPr>
+                <a:t>示例</a:t>
+              </a:r>
+              <a:endParaRPr lang="zh-CN" altLang="en-US" sz="2400" dirty="0">
+                <a:solidFill>
+                  <a:srgbClr val="3C7832"/>
+                </a:solidFill>
+                <a:latin typeface="微软雅黑" panose="020B0503020204020204" pitchFamily="34" charset="-122"/>
+                <a:ea typeface="微软雅黑" panose="020B0503020204020204" pitchFamily="34" charset="-122"/>
+              </a:endParaRPr>
+            </a:p>
+          </p:txBody>
+        </p:sp>
+        <p:sp>
+          <p:nvSpPr>
+            <p:cNvPr id="19467" name="TextBox 33@|17FFC:16777215|FBC:16777215|LFC:16777215|LBC:16777215"/>
+            <p:cNvSpPr txBox="1"/>
+            <p:nvPr/>
+          </p:nvSpPr>
+          <p:spPr>
+            <a:xfrm>
+              <a:off x="4231514" y="2195767"/>
+              <a:ext cx="373820" cy="461665"/>
+            </a:xfrm>
+            <a:prstGeom prst="rect">
+              <a:avLst/>
+            </a:prstGeom>
+            <a:noFill/>
+            <a:ln w="9525">
+              <a:noFill/>
+            </a:ln>
+          </p:spPr>
+          <p:txBody>
+            <a:bodyPr wrap="none">
+              <a:spAutoFit/>
+            </a:bodyPr>
+            <a:lstStyle/>
+            <a:p>
+              <a:pPr lvl="0" eaLnBrk="1" hangingPunct="1"/>
+              <a:r>
+                <a:rPr lang="en-US" altLang="zh-CN" sz="2400" b="1" dirty="0">
+                  <a:solidFill>
+                    <a:srgbClr val="FFFFFF"/>
+                  </a:solidFill>
+                  <a:latin typeface="微软雅黑" panose="020B0503020204020204" pitchFamily="34" charset="-122"/>
+                  <a:ea typeface="微软雅黑" panose="020B0503020204020204" pitchFamily="34" charset="-122"/>
+                </a:rPr>
+                <a:t>1</a:t>
+              </a:r>
+              <a:endParaRPr lang="zh-CN" altLang="en-US" sz="2400" b="1" dirty="0">
+                <a:solidFill>
+                  <a:srgbClr val="FFFFFF"/>
+                </a:solidFill>
+                <a:latin typeface="微软雅黑" panose="020B0503020204020204" pitchFamily="34" charset="-122"/>
+                <a:ea typeface="微软雅黑" panose="020B0503020204020204" pitchFamily="34" charset="-122"/>
+              </a:endParaRPr>
+            </a:p>
+          </p:txBody>
+        </p:sp>
+        <p:pic>
+          <p:nvPicPr>
+            <p:cNvPr id="19468" name="Picture 34@|13FFC:16777215|FBC:16777215|LFC:16777215|LBC:16777215"/>
+            <p:cNvPicPr>
+              <a:picLocks noChangeAspect="1"/>
+            </p:cNvPicPr>
+            <p:nvPr/>
+          </p:nvPicPr>
+          <p:blipFill>
+            <a:blip r:embed="rId2"/>
+            <a:stretch>
+              <a:fillRect/>
+            </a:stretch>
+          </p:blipFill>
+          <p:spPr>
+            <a:xfrm rot="8039900">
+              <a:off x="3875019" y="1756662"/>
+              <a:ext cx="651661" cy="1257502"/>
+            </a:xfrm>
+            <a:prstGeom prst="rect">
+              <a:avLst/>
+            </a:prstGeom>
+            <a:noFill/>
+            <a:ln w="9525">
+              <a:noFill/>
+            </a:ln>
+          </p:spPr>
+        </p:pic>
+        <p:sp>
+          <p:nvSpPr>
+            <p:cNvPr id="19469" name="TextBox 35@|17FFC:16777215|FBC:16777215|LFC:16777215|LBC:16777215"/>
+            <p:cNvSpPr txBox="1"/>
+            <p:nvPr/>
+          </p:nvSpPr>
+          <p:spPr>
+            <a:xfrm>
+              <a:off x="3972751" y="2111498"/>
+              <a:ext cx="462004" cy="647568"/>
+            </a:xfrm>
+            <a:prstGeom prst="rect">
+              <a:avLst/>
+            </a:prstGeom>
+            <a:noFill/>
+            <a:ln w="9525">
+              <a:noFill/>
+            </a:ln>
+          </p:spPr>
+          <p:txBody>
+            <a:bodyPr wrap="none">
+              <a:spAutoFit/>
+            </a:bodyPr>
+            <a:lstStyle/>
+            <a:p>
+              <a:pPr lvl="0" eaLnBrk="1" hangingPunct="1"/>
+              <a:r>
+                <a:rPr lang="en-US" altLang="zh-CN" sz="3600" b="1" dirty="0">
+                  <a:solidFill>
+                    <a:schemeClr val="bg1"/>
+                  </a:solidFill>
+                  <a:latin typeface="微软雅黑" panose="020B0503020204020204" pitchFamily="34" charset="-122"/>
+                </a:rPr>
+                <a:t>S</a:t>
+              </a:r>
+              <a:endParaRPr lang="zh-CN" altLang="en-US" sz="3600" b="1" dirty="0">
+                <a:solidFill>
+                  <a:schemeClr val="bg1"/>
+                </a:solidFill>
+                <a:latin typeface="微软雅黑" panose="020B0503020204020204" pitchFamily="34" charset="-122"/>
+                <a:ea typeface="微软雅黑" panose="020B0503020204020204" pitchFamily="34" charset="-122"/>
+              </a:endParaRPr>
+            </a:p>
+          </p:txBody>
+        </p:sp>
+      </p:grpSp>
+      <p:sp>
+        <p:nvSpPr>
+          <p:cNvPr id="33" name="内容占位符 2"/>
+          <p:cNvSpPr>
+            <a:spLocks noGrp="1"/>
+          </p:cNvSpPr>
+          <p:nvPr>
+            <p:ph idx="1"/>
+          </p:nvPr>
+        </p:nvSpPr>
+        <p:spPr>
+          <a:xfrm>
+            <a:off x="838200" y="1825625"/>
+            <a:ext cx="10515600" cy="4351338"/>
+          </a:xfrm>
+        </p:spPr>
+        <p:txBody>
+          <a:bodyPr/>
+          <a:lstStyle/>
+          <a:p>
+            <a:r>
+              <a:rPr lang="en-US" altLang="zh-CN" dirty="0" smtClean="0">
+                <a:latin typeface="+mn-ea"/>
+              </a:rPr>
               <a:t>Bean</a:t>
             </a:r>
             <a:r>
@@ -15100,7 +15529,7 @@
 </p:sld>
 </file>
 
-<file path=ppt/slides/slide24.xml><?xml version="1.0" encoding="utf-8"?>
+<file path=ppt/slides/slide25.xml><?xml version="1.0" encoding="utf-8"?>
 <p:sld xmlns:a="http://schemas.openxmlformats.org/drawingml/2006/main" xmlns:r="http://schemas.openxmlformats.org/officeDocument/2006/relationships" xmlns:p="http://schemas.openxmlformats.org/presentationml/2006/main">
   <p:cSld>
     <p:spTree>
@@ -15514,7 +15943,7 @@
 </p:sld>
 </file>
 
-<file path=ppt/slides/slide25.xml><?xml version="1.0" encoding="utf-8"?>
+<file path=ppt/slides/slide26.xml><?xml version="1.0" encoding="utf-8"?>
 <p:sld xmlns:a="http://schemas.openxmlformats.org/drawingml/2006/main" xmlns:r="http://schemas.openxmlformats.org/officeDocument/2006/relationships" xmlns:p="http://schemas.openxmlformats.org/presentationml/2006/main">
   <p:cSld>
     <p:spTree>
@@ -22170,18 +22599,7 @@
                 <a:cs typeface="+mn-cs"/>
                 <a:sym typeface="微软雅黑" panose="020B0503020204020204" pitchFamily="34" charset="-122"/>
               </a:rPr>
-              <a:t>报表</a:t>
-            </a:r>
-            <a:r>
-              <a:rPr lang="zh-CN" altLang="en-US" sz="2000" b="1" spc="100" dirty="0" smtClean="0">
-                <a:solidFill>
-                  <a:schemeClr val="bg1"/>
-                </a:solidFill>
-                <a:latin typeface="微软雅黑" panose="020B0503020204020204" pitchFamily="34" charset="-122"/>
-                <a:cs typeface="+mn-cs"/>
-                <a:sym typeface="微软雅黑" panose="020B0503020204020204" pitchFamily="34" charset="-122"/>
-              </a:rPr>
-              <a:t>服务类，检索数据，并生成图标</a:t>
+              <a:t>报表服务类，检索数据，并生成图标</a:t>
             </a:r>
             <a:endParaRPr lang="en-US" altLang="zh-CN" sz="2000" b="1" spc="100" dirty="0" smtClean="0">
               <a:solidFill>
